--- a/docs/documents/weekly_meeting/Week 8.pptx
+++ b/docs/documents/weekly_meeting/Week 8.pptx
@@ -201,7 +201,7 @@
           <a:p>
             <a:fld id="{2B443DB1-3454-AB4E-A2F7-083942AD4ADB}" type="datetimeFigureOut">
               <a:rPr lang="en-US" smtClean="0"/>
-              <a:t>10/6/16</a:t>
+              <a:t>10/7/16</a:t>
             </a:fld>
             <a:endParaRPr lang="en-US"/>
           </a:p>
@@ -807,7 +807,7 @@
           <a:p>
             <a:fld id="{AC020E75-F84B-F342-8F11-D007000D2CC1}" type="datetimeFigureOut">
               <a:rPr lang="en-US" smtClean="0"/>
-              <a:t>10/6/16</a:t>
+              <a:t>10/7/16</a:t>
             </a:fld>
             <a:endParaRPr lang="en-US"/>
           </a:p>
@@ -977,7 +977,7 @@
           <a:p>
             <a:fld id="{AC020E75-F84B-F342-8F11-D007000D2CC1}" type="datetimeFigureOut">
               <a:rPr lang="en-US" smtClean="0"/>
-              <a:t>10/6/16</a:t>
+              <a:t>10/7/16</a:t>
             </a:fld>
             <a:endParaRPr lang="en-US"/>
           </a:p>
@@ -1157,7 +1157,7 @@
           <a:p>
             <a:fld id="{AC020E75-F84B-F342-8F11-D007000D2CC1}" type="datetimeFigureOut">
               <a:rPr lang="en-US" smtClean="0"/>
-              <a:t>10/6/16</a:t>
+              <a:t>10/7/16</a:t>
             </a:fld>
             <a:endParaRPr lang="en-US"/>
           </a:p>
@@ -1327,7 +1327,7 @@
           <a:p>
             <a:fld id="{AC020E75-F84B-F342-8F11-D007000D2CC1}" type="datetimeFigureOut">
               <a:rPr lang="en-US" smtClean="0"/>
-              <a:t>10/6/16</a:t>
+              <a:t>10/7/16</a:t>
             </a:fld>
             <a:endParaRPr lang="en-US"/>
           </a:p>
@@ -1573,7 +1573,7 @@
           <a:p>
             <a:fld id="{AC020E75-F84B-F342-8F11-D007000D2CC1}" type="datetimeFigureOut">
               <a:rPr lang="en-US" smtClean="0"/>
-              <a:t>10/6/16</a:t>
+              <a:t>10/7/16</a:t>
             </a:fld>
             <a:endParaRPr lang="en-US"/>
           </a:p>
@@ -1805,7 +1805,7 @@
           <a:p>
             <a:fld id="{AC020E75-F84B-F342-8F11-D007000D2CC1}" type="datetimeFigureOut">
               <a:rPr lang="en-US" smtClean="0"/>
-              <a:t>10/6/16</a:t>
+              <a:t>10/7/16</a:t>
             </a:fld>
             <a:endParaRPr lang="en-US"/>
           </a:p>
@@ -2172,7 +2172,7 @@
           <a:p>
             <a:fld id="{AC020E75-F84B-F342-8F11-D007000D2CC1}" type="datetimeFigureOut">
               <a:rPr lang="en-US" smtClean="0"/>
-              <a:t>10/6/16</a:t>
+              <a:t>10/7/16</a:t>
             </a:fld>
             <a:endParaRPr lang="en-US"/>
           </a:p>
@@ -2290,7 +2290,7 @@
           <a:p>
             <a:fld id="{AC020E75-F84B-F342-8F11-D007000D2CC1}" type="datetimeFigureOut">
               <a:rPr lang="en-US" smtClean="0"/>
-              <a:t>10/6/16</a:t>
+              <a:t>10/7/16</a:t>
             </a:fld>
             <a:endParaRPr lang="en-US"/>
           </a:p>
@@ -2385,7 +2385,7 @@
           <a:p>
             <a:fld id="{AC020E75-F84B-F342-8F11-D007000D2CC1}" type="datetimeFigureOut">
               <a:rPr lang="en-US" smtClean="0"/>
-              <a:t>10/6/16</a:t>
+              <a:t>10/7/16</a:t>
             </a:fld>
             <a:endParaRPr lang="en-US"/>
           </a:p>
@@ -2662,7 +2662,7 @@
           <a:p>
             <a:fld id="{AC020E75-F84B-F342-8F11-D007000D2CC1}" type="datetimeFigureOut">
               <a:rPr lang="en-US" smtClean="0"/>
-              <a:t>10/6/16</a:t>
+              <a:t>10/7/16</a:t>
             </a:fld>
             <a:endParaRPr lang="en-US"/>
           </a:p>
@@ -2915,7 +2915,7 @@
           <a:p>
             <a:fld id="{AC020E75-F84B-F342-8F11-D007000D2CC1}" type="datetimeFigureOut">
               <a:rPr lang="en-US" smtClean="0"/>
-              <a:t>10/6/16</a:t>
+              <a:t>10/7/16</a:t>
             </a:fld>
             <a:endParaRPr lang="en-US"/>
           </a:p>
@@ -3128,7 +3128,7 @@
           <a:p>
             <a:fld id="{AC020E75-F84B-F342-8F11-D007000D2CC1}" type="datetimeFigureOut">
               <a:rPr lang="en-US" smtClean="0"/>
-              <a:t>10/6/16</a:t>
+              <a:t>10/7/16</a:t>
             </a:fld>
             <a:endParaRPr lang="en-US"/>
           </a:p>
@@ -3774,7 +3774,7 @@
             <p:ph idx="1"/>
             <p:extLst>
               <p:ext uri="{D42A27DB-BD31-4B8C-83A1-F6EECF244321}">
-                <p14:modId xmlns:p14="http://schemas.microsoft.com/office/powerpoint/2010/main" val="894962985"/>
+                <p14:modId xmlns:p14="http://schemas.microsoft.com/office/powerpoint/2010/main" val="567942612"/>
               </p:ext>
             </p:extLst>
           </p:nvPr>
@@ -4164,7 +4164,15 @@
                     <a:p>
                       <a:r>
                         <a:rPr lang="en-US" dirty="0" smtClean="0"/>
-                        <a:t>2 minutes</a:t>
+                        <a:t>6</a:t>
+                      </a:r>
+                      <a:r>
+                        <a:rPr lang="en-US" smtClean="0"/>
+                        <a:t> </a:t>
+                      </a:r>
+                      <a:r>
+                        <a:rPr lang="en-US" dirty="0" smtClean="0"/>
+                        <a:t>minutes</a:t>
                       </a:r>
                       <a:endParaRPr lang="en-US" dirty="0"/>
                     </a:p>
@@ -4222,7 +4230,15 @@
                     <a:p>
                       <a:r>
                         <a:rPr lang="en-US" dirty="0" smtClean="0"/>
-                        <a:t>2 minutes</a:t>
+                        <a:t>6</a:t>
+                      </a:r>
+                      <a:r>
+                        <a:rPr lang="en-US" smtClean="0"/>
+                        <a:t> </a:t>
+                      </a:r>
+                      <a:r>
+                        <a:rPr lang="en-US" dirty="0" smtClean="0"/>
+                        <a:t>minutes</a:t>
                       </a:r>
                       <a:endParaRPr lang="en-US" dirty="0"/>
                     </a:p>
